--- a/Challenge 0/Challenge 0 - Khuat Bao Nguyen.pptx
+++ b/Challenge 0/Challenge 0 - Khuat Bao Nguyen.pptx
@@ -19,7 +19,6 @@
     <p:sldId id="267" r:id="rId23"/>
     <p:sldId id="268" r:id="rId24"/>
     <p:sldId id="269" r:id="rId25"/>
-    <p:sldId id="270" r:id="rId26"/>
   </p:sldIdLst>
   <p:sldSz cx="18288000" cy="10287000"/>
   <p:notesSz cx="6858000" cy="9144000"/>
@@ -3630,203 +3629,6 @@
           <a:chExt cx="0" cy="0"/>
         </a:xfrm>
       </p:grpSpPr>
-      <p:grpSp>
-        <p:nvGrpSpPr>
-          <p:cNvPr name="Group 2" id="2"/>
-          <p:cNvGrpSpPr/>
-          <p:nvPr/>
-        </p:nvGrpSpPr>
-        <p:grpSpPr>
-          <a:xfrm rot="0">
-            <a:off x="1185446" y="3308792"/>
-            <a:ext cx="16073854" cy="5949508"/>
-            <a:chOff x="0" y="0"/>
-            <a:chExt cx="2591637" cy="959258"/>
-          </a:xfrm>
-        </p:grpSpPr>
-        <p:sp>
-          <p:nvSpPr>
-            <p:cNvPr name="Freeform 3" id="3"/>
-            <p:cNvSpPr/>
-            <p:nvPr/>
-          </p:nvSpPr>
-          <p:spPr>
-            <a:xfrm flipH="false" flipV="false" rot="0">
-              <a:off x="0" y="0"/>
-              <a:ext cx="2591637" cy="959258"/>
-            </a:xfrm>
-            <a:custGeom>
-              <a:avLst/>
-              <a:gdLst/>
-              <a:ahLst/>
-              <a:cxnLst/>
-              <a:rect r="r" b="b" t="t" l="l"/>
-              <a:pathLst>
-                <a:path h="959258" w="2591637">
-                  <a:moveTo>
-                    <a:pt x="0" y="0"/>
-                  </a:moveTo>
-                  <a:lnTo>
-                    <a:pt x="2591637" y="0"/>
-                  </a:lnTo>
-                  <a:lnTo>
-                    <a:pt x="2591637" y="959258"/>
-                  </a:lnTo>
-                  <a:lnTo>
-                    <a:pt x="0" y="959258"/>
-                  </a:lnTo>
-                  <a:close/>
-                </a:path>
-              </a:pathLst>
-            </a:custGeom>
-            <a:blipFill>
-              <a:blip r:embed="rId2"/>
-              <a:stretch>
-                <a:fillRect l="-5472" t="0" r="-5472" b="0"/>
-              </a:stretch>
-            </a:blipFill>
-            <a:ln w="38100" cap="sq">
-              <a:solidFill>
-                <a:srgbClr val="000000"/>
-              </a:solidFill>
-              <a:prstDash val="solid"/>
-              <a:miter/>
-            </a:ln>
-          </p:spPr>
-        </p:sp>
-      </p:grpSp>
-      <p:sp>
-        <p:nvSpPr>
-          <p:cNvPr name="Freeform 4" id="4"/>
-          <p:cNvSpPr/>
-          <p:nvPr/>
-        </p:nvSpPr>
-        <p:spPr>
-          <a:xfrm flipH="false" flipV="false" rot="-1625759">
-            <a:off x="10837013" y="-4312634"/>
-            <a:ext cx="9495369" cy="7717145"/>
-          </a:xfrm>
-          <a:custGeom>
-            <a:avLst/>
-            <a:gdLst/>
-            <a:ahLst/>
-            <a:cxnLst/>
-            <a:rect r="r" b="b" t="t" l="l"/>
-            <a:pathLst>
-              <a:path h="7717145" w="9495369">
-                <a:moveTo>
-                  <a:pt x="0" y="0"/>
-                </a:moveTo>
-                <a:lnTo>
-                  <a:pt x="9495369" y="0"/>
-                </a:lnTo>
-                <a:lnTo>
-                  <a:pt x="9495369" y="7717145"/>
-                </a:lnTo>
-                <a:lnTo>
-                  <a:pt x="0" y="7717145"/>
-                </a:lnTo>
-                <a:lnTo>
-                  <a:pt x="0" y="0"/>
-                </a:lnTo>
-                <a:close/>
-              </a:path>
-            </a:pathLst>
-          </a:custGeom>
-          <a:blipFill>
-            <a:blip r:embed="rId3">
-              <a:alphaModFix amt="50000"/>
-              <a:extLst>
-                <a:ext uri="{96DAC541-7B7A-43D3-8B79-37D633B846F1}">
-                  <asvg:svgBlip xmlns:asvg="http://schemas.microsoft.com/office/drawing/2016/SVG/main" r:embed="rId4"/>
-                </a:ext>
-              </a:extLst>
-            </a:blip>
-            <a:stretch>
-              <a:fillRect l="0" t="0" r="0" b="0"/>
-            </a:stretch>
-          </a:blipFill>
-        </p:spPr>
-      </p:sp>
-      <p:sp>
-        <p:nvSpPr>
-          <p:cNvPr name="TextBox 5" id="5"/>
-          <p:cNvSpPr txBox="true"/>
-          <p:nvPr/>
-        </p:nvSpPr>
-        <p:spPr>
-          <a:xfrm rot="0">
-            <a:off x="1185446" y="770992"/>
-            <a:ext cx="11953237" cy="1814830"/>
-          </a:xfrm>
-          <a:prstGeom prst="rect">
-            <a:avLst/>
-          </a:prstGeom>
-        </p:spPr>
-        <p:txBody>
-          <a:bodyPr anchor="t" rtlCol="false" tIns="0" lIns="0" bIns="0" rIns="0">
-            <a:spAutoFit/>
-          </a:bodyPr>
-          <a:lstStyle/>
-          <a:p>
-            <a:pPr>
-              <a:lnSpc>
-                <a:spcPts val="7085"/>
-              </a:lnSpc>
-            </a:pPr>
-            <a:r>
-              <a:rPr lang="en-US" sz="6500">
-                <a:solidFill>
-                  <a:srgbClr val="004AAD"/>
-                </a:solidFill>
-                <a:latin typeface="Montserrat Classic Bold"/>
-              </a:rPr>
-              <a:t>WHY AUTONOMY </a:t>
-            </a:r>
-          </a:p>
-          <a:p>
-            <a:pPr>
-              <a:lnSpc>
-                <a:spcPts val="7085"/>
-              </a:lnSpc>
-            </a:pPr>
-            <a:r>
-              <a:rPr lang="en-US" sz="6500">
-                <a:solidFill>
-                  <a:srgbClr val="004AAD"/>
-                </a:solidFill>
-                <a:latin typeface="Montserrat Classic Bold"/>
-              </a:rPr>
-              <a:t>AT WORK IS IMPORTANT</a:t>
-            </a:r>
-          </a:p>
-        </p:txBody>
-      </p:sp>
-    </p:spTree>
-  </p:cSld>
-  <p:clrMapOvr>
-    <a:masterClrMapping/>
-  </p:clrMapOvr>
-</p:sld>
-</file>
-
-<file path=ppt/slides/slide12.xml><?xml version="1.0" encoding="utf-8"?>
-<p:sld xmlns:p="http://schemas.openxmlformats.org/presentationml/2006/main" xmlns:a="http://schemas.openxmlformats.org/drawingml/2006/main" xmlns:r="http://schemas.openxmlformats.org/officeDocument/2006/relationships">
-  <p:cSld>
-    <p:spTree>
-      <p:nvGrpSpPr>
-        <p:cNvPr id="1" name=""/>
-        <p:cNvGrpSpPr/>
-        <p:nvPr/>
-      </p:nvGrpSpPr>
-      <p:grpSpPr>
-        <a:xfrm>
-          <a:off x="0" y="0"/>
-          <a:ext cx="0" cy="0"/>
-          <a:chOff x="0" y="0"/>
-          <a:chExt cx="0" cy="0"/>
-        </a:xfrm>
-      </p:grpSpPr>
       <p:sp>
         <p:nvSpPr>
           <p:cNvPr name="Freeform 2" id="2"/>
@@ -4251,7 +4053,7 @@
 </p:sld>
 </file>
 
-<file path=ppt/slides/slide13.xml><?xml version="1.0" encoding="utf-8"?>
+<file path=ppt/slides/slide12.xml><?xml version="1.0" encoding="utf-8"?>
 <p:sld xmlns:p="http://schemas.openxmlformats.org/presentationml/2006/main" xmlns:a="http://schemas.openxmlformats.org/drawingml/2006/main" xmlns:r="http://schemas.openxmlformats.org/officeDocument/2006/relationships">
   <p:cSld>
     <p:spTree>
@@ -4432,7 +4234,7 @@
 </p:sld>
 </file>
 
-<file path=ppt/slides/slide14.xml><?xml version="1.0" encoding="utf-8"?>
+<file path=ppt/slides/slide13.xml><?xml version="1.0" encoding="utf-8"?>
 <p:sld xmlns:p="http://schemas.openxmlformats.org/presentationml/2006/main" xmlns:a="http://schemas.openxmlformats.org/drawingml/2006/main" xmlns:r="http://schemas.openxmlformats.org/officeDocument/2006/relationships">
   <p:cSld>
     <p:spTree>
@@ -4613,7 +4415,7 @@
 </p:sld>
 </file>
 
-<file path=ppt/slides/slide15.xml><?xml version="1.0" encoding="utf-8"?>
+<file path=ppt/slides/slide14.xml><?xml version="1.0" encoding="utf-8"?>
 <p:sld xmlns:p="http://schemas.openxmlformats.org/presentationml/2006/main" xmlns:a="http://schemas.openxmlformats.org/drawingml/2006/main" xmlns:r="http://schemas.openxmlformats.org/officeDocument/2006/relationships">
   <p:cSld>
     <p:spTree>

--- a/Challenge 0/Challenge 0 - Khuat Bao Nguyen.pptx
+++ b/Challenge 0/Challenge 0 - Khuat Bao Nguyen.pptx
@@ -19,6 +19,8 @@
     <p:sldId id="267" r:id="rId23"/>
     <p:sldId id="268" r:id="rId24"/>
     <p:sldId id="269" r:id="rId25"/>
+    <p:sldId id="270" r:id="rId26"/>
+    <p:sldId id="271" r:id="rId27"/>
   </p:sldIdLst>
   <p:sldSz cx="18288000" cy="10287000"/>
   <p:notesSz cx="6858000" cy="9144000"/>
@@ -3432,6 +3434,77 @@
           <a:chExt cx="0" cy="0"/>
         </a:xfrm>
       </p:grpSpPr>
+      <p:sp>
+        <p:nvSpPr>
+          <p:cNvPr name="Freeform 2" id="2"/>
+          <p:cNvSpPr/>
+          <p:nvPr/>
+        </p:nvSpPr>
+        <p:spPr>
+          <a:xfrm flipH="false" flipV="false" rot="0">
+            <a:off x="0" y="1028700"/>
+            <a:ext cx="18288000" cy="8385017"/>
+          </a:xfrm>
+          <a:custGeom>
+            <a:avLst/>
+            <a:gdLst/>
+            <a:ahLst/>
+            <a:cxnLst/>
+            <a:rect r="r" b="b" t="t" l="l"/>
+            <a:pathLst>
+              <a:path h="8385017" w="18288000">
+                <a:moveTo>
+                  <a:pt x="0" y="0"/>
+                </a:moveTo>
+                <a:lnTo>
+                  <a:pt x="18288000" y="0"/>
+                </a:lnTo>
+                <a:lnTo>
+                  <a:pt x="18288000" y="8385017"/>
+                </a:lnTo>
+                <a:lnTo>
+                  <a:pt x="0" y="8385017"/>
+                </a:lnTo>
+                <a:lnTo>
+                  <a:pt x="0" y="0"/>
+                </a:lnTo>
+                <a:close/>
+              </a:path>
+            </a:pathLst>
+          </a:custGeom>
+          <a:blipFill>
+            <a:blip r:embed="rId2"/>
+            <a:stretch>
+              <a:fillRect l="-2083" t="0" r="-2083" b="0"/>
+            </a:stretch>
+          </a:blipFill>
+        </p:spPr>
+      </p:sp>
+    </p:spTree>
+  </p:cSld>
+  <p:clrMapOvr>
+    <a:masterClrMapping/>
+  </p:clrMapOvr>
+</p:sld>
+</file>
+
+<file path=ppt/slides/slide11.xml><?xml version="1.0" encoding="utf-8"?>
+<p:sld xmlns:p="http://schemas.openxmlformats.org/presentationml/2006/main" xmlns:a="http://schemas.openxmlformats.org/drawingml/2006/main" xmlns:r="http://schemas.openxmlformats.org/officeDocument/2006/relationships">
+  <p:cSld>
+    <p:spTree>
+      <p:nvGrpSpPr>
+        <p:cNvPr id="1" name=""/>
+        <p:cNvGrpSpPr/>
+        <p:nvPr/>
+      </p:nvGrpSpPr>
+      <p:grpSpPr>
+        <a:xfrm>
+          <a:off x="0" y="0"/>
+          <a:ext cx="0" cy="0"/>
+          <a:chOff x="0" y="0"/>
+          <a:chExt cx="0" cy="0"/>
+        </a:xfrm>
+      </p:grpSpPr>
       <p:grpSp>
         <p:nvGrpSpPr>
           <p:cNvPr name="Group 2" id="2"/>
@@ -3484,7 +3557,7 @@
             <a:blipFill>
               <a:blip r:embed="rId2"/>
               <a:stretch>
-                <a:fillRect l="-5472" t="0" r="-5472" b="0"/>
+                <a:fillRect l="-89" t="0" r="-89" b="0"/>
               </a:stretch>
             </a:blipFill>
             <a:ln w="38100" cap="sq">
@@ -3612,7 +3685,7 @@
 </p:sld>
 </file>
 
-<file path=ppt/slides/slide11.xml><?xml version="1.0" encoding="utf-8"?>
+<file path=ppt/slides/slide12.xml><?xml version="1.0" encoding="utf-8"?>
 <p:sld xmlns:p="http://schemas.openxmlformats.org/presentationml/2006/main" xmlns:a="http://schemas.openxmlformats.org/drawingml/2006/main" xmlns:r="http://schemas.openxmlformats.org/officeDocument/2006/relationships">
   <p:cSld>
     <p:spTree>
@@ -3805,7 +3878,7 @@
                 </a:solidFill>
                 <a:latin typeface="Montserrat Classic Bold"/>
               </a:rPr>
-              <a:t>WHAT IS A</a:t>
+              <a:t>WHAT MAKES A</a:t>
             </a:r>
           </a:p>
           <a:p>
@@ -4053,7 +4126,346 @@
 </p:sld>
 </file>
 
-<file path=ppt/slides/slide12.xml><?xml version="1.0" encoding="utf-8"?>
+<file path=ppt/slides/slide13.xml><?xml version="1.0" encoding="utf-8"?>
+<p:sld xmlns:p="http://schemas.openxmlformats.org/presentationml/2006/main" xmlns:a="http://schemas.openxmlformats.org/drawingml/2006/main" xmlns:r="http://schemas.openxmlformats.org/officeDocument/2006/relationships">
+  <p:cSld>
+    <p:spTree>
+      <p:nvGrpSpPr>
+        <p:cNvPr id="1" name=""/>
+        <p:cNvGrpSpPr/>
+        <p:nvPr/>
+      </p:nvGrpSpPr>
+      <p:grpSpPr>
+        <a:xfrm>
+          <a:off x="0" y="0"/>
+          <a:ext cx="0" cy="0"/>
+          <a:chOff x="0" y="0"/>
+          <a:chExt cx="0" cy="0"/>
+        </a:xfrm>
+      </p:grpSpPr>
+      <p:grpSp>
+        <p:nvGrpSpPr>
+          <p:cNvPr name="Group 2" id="2"/>
+          <p:cNvGrpSpPr/>
+          <p:nvPr/>
+        </p:nvGrpSpPr>
+        <p:grpSpPr>
+          <a:xfrm rot="0">
+            <a:off x="9271000" y="3987800"/>
+            <a:ext cx="7988300" cy="5270500"/>
+            <a:chOff x="0" y="0"/>
+            <a:chExt cx="10651067" cy="7027333"/>
+          </a:xfrm>
+        </p:grpSpPr>
+        <p:pic>
+          <p:nvPicPr>
+            <p:cNvPr name="Picture 3" id="3"/>
+            <p:cNvPicPr>
+              <a:picLocks noChangeAspect="true"/>
+            </p:cNvPicPr>
+            <p:nvPr/>
+          </p:nvPicPr>
+          <p:blipFill>
+            <a:blip r:embed="rId2"/>
+            <a:srcRect l="0" t="516" r="0" b="516"/>
+            <a:stretch>
+              <a:fillRect/>
+            </a:stretch>
+          </p:blipFill>
+          <p:spPr>
+            <a:xfrm flipH="false" flipV="false">
+              <a:off x="0" y="0"/>
+              <a:ext cx="10651067" cy="7027333"/>
+            </a:xfrm>
+            <a:prstGeom prst="rect">
+              <a:avLst/>
+            </a:prstGeom>
+          </p:spPr>
+        </p:pic>
+      </p:grpSp>
+      <p:sp>
+        <p:nvSpPr>
+          <p:cNvPr name="TextBox 4" id="4"/>
+          <p:cNvSpPr txBox="true"/>
+          <p:nvPr/>
+        </p:nvSpPr>
+        <p:spPr>
+          <a:xfrm rot="0">
+            <a:off x="1028700" y="1162050"/>
+            <a:ext cx="12230230" cy="1816100"/>
+          </a:xfrm>
+          <a:prstGeom prst="rect">
+            <a:avLst/>
+          </a:prstGeom>
+        </p:spPr>
+        <p:txBody>
+          <a:bodyPr anchor="t" rtlCol="false" tIns="0" lIns="0" bIns="0" rIns="0">
+            <a:spAutoFit/>
+          </a:bodyPr>
+          <a:lstStyle/>
+          <a:p>
+            <a:pPr>
+              <a:lnSpc>
+                <a:spcPts val="6999"/>
+              </a:lnSpc>
+            </a:pPr>
+            <a:r>
+              <a:rPr lang="en-US" sz="6999">
+                <a:solidFill>
+                  <a:srgbClr val="004AAD"/>
+                </a:solidFill>
+                <a:latin typeface="Montserrat Classic Bold"/>
+              </a:rPr>
+              <a:t>WHAT MAKES A SMART QUESTION</a:t>
+            </a:r>
+          </a:p>
+        </p:txBody>
+      </p:sp>
+      <p:sp>
+        <p:nvSpPr>
+          <p:cNvPr name="Freeform 5" id="5"/>
+          <p:cNvSpPr/>
+          <p:nvPr/>
+        </p:nvSpPr>
+        <p:spPr>
+          <a:xfrm flipH="false" flipV="false" rot="-1625759">
+            <a:off x="10837013" y="-4312634"/>
+            <a:ext cx="9495369" cy="7717145"/>
+          </a:xfrm>
+          <a:custGeom>
+            <a:avLst/>
+            <a:gdLst/>
+            <a:ahLst/>
+            <a:cxnLst/>
+            <a:rect r="r" b="b" t="t" l="l"/>
+            <a:pathLst>
+              <a:path h="7717145" w="9495369">
+                <a:moveTo>
+                  <a:pt x="0" y="0"/>
+                </a:moveTo>
+                <a:lnTo>
+                  <a:pt x="9495369" y="0"/>
+                </a:lnTo>
+                <a:lnTo>
+                  <a:pt x="9495369" y="7717145"/>
+                </a:lnTo>
+                <a:lnTo>
+                  <a:pt x="0" y="7717145"/>
+                </a:lnTo>
+                <a:lnTo>
+                  <a:pt x="0" y="0"/>
+                </a:lnTo>
+                <a:close/>
+              </a:path>
+            </a:pathLst>
+          </a:custGeom>
+          <a:blipFill>
+            <a:blip r:embed="rId3">
+              <a:alphaModFix amt="50000"/>
+              <a:extLst>
+                <a:ext uri="{96DAC541-7B7A-43D3-8B79-37D633B846F1}">
+                  <asvg:svgBlip xmlns:asvg="http://schemas.microsoft.com/office/drawing/2016/SVG/main" r:embed="rId4"/>
+                </a:ext>
+              </a:extLst>
+            </a:blip>
+            <a:stretch>
+              <a:fillRect l="0" t="0" r="0" b="0"/>
+            </a:stretch>
+          </a:blipFill>
+        </p:spPr>
+      </p:sp>
+      <p:sp>
+        <p:nvSpPr>
+          <p:cNvPr name="TextBox 6" id="6"/>
+          <p:cNvSpPr txBox="true"/>
+          <p:nvPr/>
+        </p:nvSpPr>
+        <p:spPr>
+          <a:xfrm rot="0">
+            <a:off x="1028700" y="3597275"/>
+            <a:ext cx="6115115" cy="5449570"/>
+          </a:xfrm>
+          <a:prstGeom prst="rect">
+            <a:avLst/>
+          </a:prstGeom>
+        </p:spPr>
+        <p:txBody>
+          <a:bodyPr anchor="t" rtlCol="false" tIns="0" lIns="0" bIns="0" rIns="0">
+            <a:spAutoFit/>
+          </a:bodyPr>
+          <a:lstStyle/>
+          <a:p>
+            <a:pPr marL="863599" indent="-431800" lvl="1">
+              <a:lnSpc>
+                <a:spcPts val="8839"/>
+              </a:lnSpc>
+              <a:buFont typeface="Arial"/>
+              <a:buChar char="•"/>
+            </a:pPr>
+            <a:r>
+              <a:rPr lang="en-US" sz="3999">
+                <a:solidFill>
+                  <a:srgbClr val="2E2E2E"/>
+                </a:solidFill>
+                <a:latin typeface="Montserrat Classic"/>
+              </a:rPr>
+              <a:t>Open-endedness</a:t>
+            </a:r>
+          </a:p>
+          <a:p>
+            <a:pPr marL="863599" indent="-431800" lvl="1">
+              <a:lnSpc>
+                <a:spcPts val="8839"/>
+              </a:lnSpc>
+              <a:buFont typeface="Arial"/>
+              <a:buChar char="•"/>
+            </a:pPr>
+            <a:r>
+              <a:rPr lang="en-US" sz="3999">
+                <a:solidFill>
+                  <a:srgbClr val="2E2E2E"/>
+                </a:solidFill>
+                <a:latin typeface="Montserrat Classic"/>
+              </a:rPr>
+              <a:t>Clarity</a:t>
+            </a:r>
+          </a:p>
+          <a:p>
+            <a:pPr marL="863599" indent="-431800" lvl="1">
+              <a:lnSpc>
+                <a:spcPts val="8839"/>
+              </a:lnSpc>
+              <a:buFont typeface="Arial"/>
+              <a:buChar char="•"/>
+            </a:pPr>
+            <a:r>
+              <a:rPr lang="en-US" sz="3999">
+                <a:solidFill>
+                  <a:srgbClr val="2E2E2E"/>
+                </a:solidFill>
+                <a:latin typeface="Montserrat Classic"/>
+              </a:rPr>
+              <a:t>Comprehensiveness</a:t>
+            </a:r>
+          </a:p>
+          <a:p>
+            <a:pPr marL="863599" indent="-431800" lvl="1">
+              <a:lnSpc>
+                <a:spcPts val="8839"/>
+              </a:lnSpc>
+              <a:buFont typeface="Arial"/>
+              <a:buChar char="•"/>
+            </a:pPr>
+            <a:r>
+              <a:rPr lang="en-US" sz="3999">
+                <a:solidFill>
+                  <a:srgbClr val="2E2E2E"/>
+                </a:solidFill>
+                <a:latin typeface="Montserrat Classic"/>
+              </a:rPr>
+              <a:t>Non-triviality</a:t>
+            </a:r>
+          </a:p>
+          <a:p>
+            <a:pPr marL="863599" indent="-431800" lvl="1">
+              <a:lnSpc>
+                <a:spcPts val="8839"/>
+              </a:lnSpc>
+              <a:buFont typeface="Arial"/>
+              <a:buChar char="•"/>
+            </a:pPr>
+            <a:r>
+              <a:rPr lang="en-US" sz="3999">
+                <a:solidFill>
+                  <a:srgbClr val="2E2E2E"/>
+                </a:solidFill>
+                <a:latin typeface="Montserrat Classic"/>
+              </a:rPr>
+              <a:t>Critical thinking</a:t>
+            </a:r>
+          </a:p>
+        </p:txBody>
+      </p:sp>
+    </p:spTree>
+  </p:cSld>
+  <p:clrMapOvr>
+    <a:masterClrMapping/>
+  </p:clrMapOvr>
+</p:sld>
+</file>
+
+<file path=ppt/slides/slide14.xml><?xml version="1.0" encoding="utf-8"?>
+<p:sld xmlns:p="http://schemas.openxmlformats.org/presentationml/2006/main" xmlns:a="http://schemas.openxmlformats.org/drawingml/2006/main" xmlns:r="http://schemas.openxmlformats.org/officeDocument/2006/relationships">
+  <p:cSld>
+    <p:spTree>
+      <p:nvGrpSpPr>
+        <p:cNvPr id="1" name=""/>
+        <p:cNvGrpSpPr/>
+        <p:nvPr/>
+      </p:nvGrpSpPr>
+      <p:grpSpPr>
+        <a:xfrm>
+          <a:off x="0" y="0"/>
+          <a:ext cx="0" cy="0"/>
+          <a:chOff x="0" y="0"/>
+          <a:chExt cx="0" cy="0"/>
+        </a:xfrm>
+      </p:grpSpPr>
+      <p:sp>
+        <p:nvSpPr>
+          <p:cNvPr name="Freeform 2" id="2"/>
+          <p:cNvSpPr/>
+          <p:nvPr/>
+        </p:nvSpPr>
+        <p:spPr>
+          <a:xfrm flipH="false" flipV="false" rot="0">
+            <a:off x="0" y="148853"/>
+            <a:ext cx="18288000" cy="9989295"/>
+          </a:xfrm>
+          <a:custGeom>
+            <a:avLst/>
+            <a:gdLst/>
+            <a:ahLst/>
+            <a:cxnLst/>
+            <a:rect r="r" b="b" t="t" l="l"/>
+            <a:pathLst>
+              <a:path h="9989295" w="18288000">
+                <a:moveTo>
+                  <a:pt x="0" y="0"/>
+                </a:moveTo>
+                <a:lnTo>
+                  <a:pt x="18288000" y="0"/>
+                </a:lnTo>
+                <a:lnTo>
+                  <a:pt x="18288000" y="9989294"/>
+                </a:lnTo>
+                <a:lnTo>
+                  <a:pt x="0" y="9989294"/>
+                </a:lnTo>
+                <a:lnTo>
+                  <a:pt x="0" y="0"/>
+                </a:lnTo>
+                <a:close/>
+              </a:path>
+            </a:pathLst>
+          </a:custGeom>
+          <a:blipFill>
+            <a:blip r:embed="rId2"/>
+            <a:stretch>
+              <a:fillRect l="-13777" t="0" r="-1955" b="0"/>
+            </a:stretch>
+          </a:blipFill>
+        </p:spPr>
+      </p:sp>
+    </p:spTree>
+  </p:cSld>
+  <p:clrMapOvr>
+    <a:masterClrMapping/>
+  </p:clrMapOvr>
+</p:sld>
+</file>
+
+<file path=ppt/slides/slide15.xml><?xml version="1.0" encoding="utf-8"?>
 <p:sld xmlns:p="http://schemas.openxmlformats.org/presentationml/2006/main" xmlns:a="http://schemas.openxmlformats.org/drawingml/2006/main" xmlns:r="http://schemas.openxmlformats.org/officeDocument/2006/relationships">
   <p:cSld>
     <p:spTree>
@@ -4122,7 +4534,7 @@
             <a:blipFill>
               <a:blip r:embed="rId2"/>
               <a:stretch>
-                <a:fillRect l="-6088" t="0" r="-6088" b="0"/>
+                <a:fillRect l="0" t="-5730" r="0" b="-5730"/>
               </a:stretch>
             </a:blipFill>
             <a:ln w="38100" cap="sq">
@@ -4221,7 +4633,7 @@
                 </a:solidFill>
                 <a:latin typeface="Montserrat Classic Bold"/>
               </a:rPr>
-              <a:t>WHAT IS A SMART QUESTION</a:t>
+              <a:t>HOW TO APPLY SMART QUESTIONS</a:t>
             </a:r>
           </a:p>
         </p:txBody>
@@ -4234,188 +4646,7 @@
 </p:sld>
 </file>
 
-<file path=ppt/slides/slide13.xml><?xml version="1.0" encoding="utf-8"?>
-<p:sld xmlns:p="http://schemas.openxmlformats.org/presentationml/2006/main" xmlns:a="http://schemas.openxmlformats.org/drawingml/2006/main" xmlns:r="http://schemas.openxmlformats.org/officeDocument/2006/relationships">
-  <p:cSld>
-    <p:spTree>
-      <p:nvGrpSpPr>
-        <p:cNvPr id="1" name=""/>
-        <p:cNvGrpSpPr/>
-        <p:nvPr/>
-      </p:nvGrpSpPr>
-      <p:grpSpPr>
-        <a:xfrm>
-          <a:off x="0" y="0"/>
-          <a:ext cx="0" cy="0"/>
-          <a:chOff x="0" y="0"/>
-          <a:chExt cx="0" cy="0"/>
-        </a:xfrm>
-      </p:grpSpPr>
-      <p:grpSp>
-        <p:nvGrpSpPr>
-          <p:cNvPr name="Group 2" id="2"/>
-          <p:cNvGrpSpPr/>
-          <p:nvPr/>
-        </p:nvGrpSpPr>
-        <p:grpSpPr>
-          <a:xfrm rot="0">
-            <a:off x="1185446" y="3308792"/>
-            <a:ext cx="16073854" cy="5949508"/>
-            <a:chOff x="0" y="0"/>
-            <a:chExt cx="2591637" cy="959258"/>
-          </a:xfrm>
-        </p:grpSpPr>
-        <p:sp>
-          <p:nvSpPr>
-            <p:cNvPr name="Freeform 3" id="3"/>
-            <p:cNvSpPr/>
-            <p:nvPr/>
-          </p:nvSpPr>
-          <p:spPr>
-            <a:xfrm flipH="false" flipV="false" rot="0">
-              <a:off x="0" y="0"/>
-              <a:ext cx="2591637" cy="959258"/>
-            </a:xfrm>
-            <a:custGeom>
-              <a:avLst/>
-              <a:gdLst/>
-              <a:ahLst/>
-              <a:cxnLst/>
-              <a:rect r="r" b="b" t="t" l="l"/>
-              <a:pathLst>
-                <a:path h="959258" w="2591637">
-                  <a:moveTo>
-                    <a:pt x="0" y="0"/>
-                  </a:moveTo>
-                  <a:lnTo>
-                    <a:pt x="2591637" y="0"/>
-                  </a:lnTo>
-                  <a:lnTo>
-                    <a:pt x="2591637" y="959258"/>
-                  </a:lnTo>
-                  <a:lnTo>
-                    <a:pt x="0" y="959258"/>
-                  </a:lnTo>
-                  <a:close/>
-                </a:path>
-              </a:pathLst>
-            </a:custGeom>
-            <a:blipFill>
-              <a:blip r:embed="rId2"/>
-              <a:stretch>
-                <a:fillRect l="-973" t="0" r="-973" b="0"/>
-              </a:stretch>
-            </a:blipFill>
-            <a:ln w="38100" cap="sq">
-              <a:solidFill>
-                <a:srgbClr val="000000"/>
-              </a:solidFill>
-              <a:prstDash val="solid"/>
-              <a:miter/>
-            </a:ln>
-          </p:spPr>
-        </p:sp>
-      </p:grpSp>
-      <p:sp>
-        <p:nvSpPr>
-          <p:cNvPr name="Freeform 4" id="4"/>
-          <p:cNvSpPr/>
-          <p:nvPr/>
-        </p:nvSpPr>
-        <p:spPr>
-          <a:xfrm flipH="false" flipV="false" rot="-1625759">
-            <a:off x="10837013" y="-4312634"/>
-            <a:ext cx="9495369" cy="7717145"/>
-          </a:xfrm>
-          <a:custGeom>
-            <a:avLst/>
-            <a:gdLst/>
-            <a:ahLst/>
-            <a:cxnLst/>
-            <a:rect r="r" b="b" t="t" l="l"/>
-            <a:pathLst>
-              <a:path h="7717145" w="9495369">
-                <a:moveTo>
-                  <a:pt x="0" y="0"/>
-                </a:moveTo>
-                <a:lnTo>
-                  <a:pt x="9495369" y="0"/>
-                </a:lnTo>
-                <a:lnTo>
-                  <a:pt x="9495369" y="7717145"/>
-                </a:lnTo>
-                <a:lnTo>
-                  <a:pt x="0" y="7717145"/>
-                </a:lnTo>
-                <a:lnTo>
-                  <a:pt x="0" y="0"/>
-                </a:lnTo>
-                <a:close/>
-              </a:path>
-            </a:pathLst>
-          </a:custGeom>
-          <a:blipFill>
-            <a:blip r:embed="rId3">
-              <a:alphaModFix amt="50000"/>
-              <a:extLst>
-                <a:ext uri="{96DAC541-7B7A-43D3-8B79-37D633B846F1}">
-                  <asvg:svgBlip xmlns:asvg="http://schemas.microsoft.com/office/drawing/2016/SVG/main" r:embed="rId4"/>
-                </a:ext>
-              </a:extLst>
-            </a:blip>
-            <a:stretch>
-              <a:fillRect l="0" t="0" r="0" b="0"/>
-            </a:stretch>
-          </a:blipFill>
-        </p:spPr>
-      </p:sp>
-      <p:sp>
-        <p:nvSpPr>
-          <p:cNvPr name="TextBox 5" id="5"/>
-          <p:cNvSpPr txBox="true"/>
-          <p:nvPr/>
-        </p:nvSpPr>
-        <p:spPr>
-          <a:xfrm rot="0">
-            <a:off x="1185446" y="770992"/>
-            <a:ext cx="11953237" cy="1814830"/>
-          </a:xfrm>
-          <a:prstGeom prst="rect">
-            <a:avLst/>
-          </a:prstGeom>
-        </p:spPr>
-        <p:txBody>
-          <a:bodyPr anchor="t" rtlCol="false" tIns="0" lIns="0" bIns="0" rIns="0">
-            <a:spAutoFit/>
-          </a:bodyPr>
-          <a:lstStyle/>
-          <a:p>
-            <a:pPr>
-              <a:lnSpc>
-                <a:spcPts val="7085"/>
-              </a:lnSpc>
-            </a:pPr>
-            <a:r>
-              <a:rPr lang="en-US" sz="6500">
-                <a:solidFill>
-                  <a:srgbClr val="004AAD"/>
-                </a:solidFill>
-                <a:latin typeface="Montserrat Classic Bold"/>
-              </a:rPr>
-              <a:t>HOW TO APPLY SMART QUESTIONS</a:t>
-            </a:r>
-          </a:p>
-        </p:txBody>
-      </p:sp>
-    </p:spTree>
-  </p:cSld>
-  <p:clrMapOvr>
-    <a:masterClrMapping/>
-  </p:clrMapOvr>
-</p:sld>
-</file>
-
-<file path=ppt/slides/slide14.xml><?xml version="1.0" encoding="utf-8"?>
+<file path=ppt/slides/slide16.xml><?xml version="1.0" encoding="utf-8"?>
 <p:sld xmlns:p="http://schemas.openxmlformats.org/presentationml/2006/main" xmlns:a="http://schemas.openxmlformats.org/drawingml/2006/main" xmlns:r="http://schemas.openxmlformats.org/officeDocument/2006/relationships">
   <p:cSld>
     <p:spTree>
@@ -5296,7 +5527,7 @@
             <a:blipFill>
               <a:blip r:embed="rId2"/>
               <a:stretch>
-                <a:fillRect l="-4928" t="-219" r="-6151" b="0"/>
+                <a:fillRect l="-9786" t="0" r="-4917" b="0"/>
               </a:stretch>
             </a:blipFill>
             <a:ln w="38100" cap="sq">
@@ -5658,7 +5889,7 @@
             <a:blipFill>
               <a:blip r:embed="rId2"/>
               <a:stretch>
-                <a:fillRect l="-4051" t="0" r="-4051" b="0"/>
+                <a:fillRect l="-2797" t="0" r="-2797" b="0"/>
               </a:stretch>
             </a:blipFill>
             <a:ln w="38100" cap="sq">
@@ -6583,66 +6814,173 @@
         </p:nvGrpSpPr>
         <p:grpSpPr>
           <a:xfrm rot="0">
-            <a:off x="1185446" y="3308792"/>
-            <a:ext cx="16073854" cy="5949508"/>
+            <a:off x="9271000" y="3987800"/>
+            <a:ext cx="7988300" cy="5270500"/>
             <a:chOff x="0" y="0"/>
-            <a:chExt cx="2591637" cy="959258"/>
+            <a:chExt cx="10651067" cy="7027333"/>
           </a:xfrm>
         </p:grpSpPr>
-        <p:sp>
-          <p:nvSpPr>
-            <p:cNvPr name="Freeform 3" id="3"/>
-            <p:cNvSpPr/>
+        <p:pic>
+          <p:nvPicPr>
+            <p:cNvPr name="Picture 3" id="3"/>
+            <p:cNvPicPr>
+              <a:picLocks noChangeAspect="true"/>
+            </p:cNvPicPr>
             <p:nvPr/>
-          </p:nvSpPr>
+          </p:nvPicPr>
+          <p:blipFill>
+            <a:blip r:embed="rId2"/>
+            <a:srcRect l="1751" t="0" r="1751" b="0"/>
+            <a:stretch>
+              <a:fillRect/>
+            </a:stretch>
+          </p:blipFill>
           <p:spPr>
-            <a:xfrm flipH="false" flipV="false" rot="0">
+            <a:xfrm flipH="false" flipV="false">
               <a:off x="0" y="0"/>
-              <a:ext cx="2591637" cy="959258"/>
+              <a:ext cx="10651067" cy="7027333"/>
             </a:xfrm>
-            <a:custGeom>
+            <a:prstGeom prst="rect">
               <a:avLst/>
-              <a:gdLst/>
-              <a:ahLst/>
-              <a:cxnLst/>
-              <a:rect r="r" b="b" t="t" l="l"/>
-              <a:pathLst>
-                <a:path h="959258" w="2591637">
-                  <a:moveTo>
-                    <a:pt x="0" y="0"/>
-                  </a:moveTo>
-                  <a:lnTo>
-                    <a:pt x="2591637" y="0"/>
-                  </a:lnTo>
-                  <a:lnTo>
-                    <a:pt x="2591637" y="959258"/>
-                  </a:lnTo>
-                  <a:lnTo>
-                    <a:pt x="0" y="959258"/>
-                  </a:lnTo>
-                  <a:close/>
-                </a:path>
-              </a:pathLst>
-            </a:custGeom>
-            <a:blipFill>
-              <a:blip r:embed="rId2"/>
-              <a:stretch>
-                <a:fillRect l="0" t="-2120" r="0" b="-2120"/>
-              </a:stretch>
-            </a:blipFill>
-            <a:ln w="38100" cap="sq">
-              <a:solidFill>
-                <a:srgbClr val="000000"/>
-              </a:solidFill>
-              <a:prstDash val="solid"/>
-              <a:miter/>
-            </a:ln>
+            </a:prstGeom>
           </p:spPr>
-        </p:sp>
+        </p:pic>
       </p:grpSp>
       <p:sp>
         <p:nvSpPr>
-          <p:cNvPr name="Freeform 4" id="4"/>
+          <p:cNvPr name="TextBox 4" id="4"/>
+          <p:cNvSpPr txBox="true"/>
+          <p:nvPr/>
+        </p:nvSpPr>
+        <p:spPr>
+          <a:xfrm rot="0">
+            <a:off x="1028700" y="1162050"/>
+            <a:ext cx="13638880" cy="1962150"/>
+          </a:xfrm>
+          <a:prstGeom prst="rect">
+            <a:avLst/>
+          </a:prstGeom>
+        </p:spPr>
+        <p:txBody>
+          <a:bodyPr anchor="t" rtlCol="false" tIns="0" lIns="0" bIns="0" rIns="0">
+            <a:spAutoFit/>
+          </a:bodyPr>
+          <a:lstStyle/>
+          <a:p>
+            <a:pPr>
+              <a:lnSpc>
+                <a:spcPts val="7500"/>
+              </a:lnSpc>
+            </a:pPr>
+            <a:r>
+              <a:rPr lang="en-US" sz="7500">
+                <a:solidFill>
+                  <a:srgbClr val="004AAD"/>
+                </a:solidFill>
+                <a:latin typeface="Montserrat Classic Bold"/>
+              </a:rPr>
+              <a:t>SIGNS OF AN AUTONOMOUS EMPLOYEE</a:t>
+            </a:r>
+          </a:p>
+        </p:txBody>
+      </p:sp>
+      <p:sp>
+        <p:nvSpPr>
+          <p:cNvPr name="TextBox 5" id="5"/>
+          <p:cNvSpPr txBox="true"/>
+          <p:nvPr/>
+        </p:nvSpPr>
+        <p:spPr>
+          <a:xfrm rot="0">
+            <a:off x="1028700" y="3770111"/>
+            <a:ext cx="6115115" cy="4902200"/>
+          </a:xfrm>
+          <a:prstGeom prst="rect">
+            <a:avLst/>
+          </a:prstGeom>
+        </p:spPr>
+        <p:txBody>
+          <a:bodyPr anchor="t" rtlCol="false" tIns="0" lIns="0" bIns="0" rIns="0">
+            <a:spAutoFit/>
+          </a:bodyPr>
+          <a:lstStyle/>
+          <a:p>
+            <a:pPr marL="863599" indent="-431800" lvl="1">
+              <a:lnSpc>
+                <a:spcPts val="9999"/>
+              </a:lnSpc>
+              <a:buFont typeface="Arial"/>
+              <a:buChar char="•"/>
+            </a:pPr>
+            <a:r>
+              <a:rPr lang="en-US" sz="3999">
+                <a:solidFill>
+                  <a:srgbClr val="2E2E2E"/>
+                </a:solidFill>
+                <a:latin typeface="Montserrat Classic"/>
+              </a:rPr>
+              <a:t>Accountability</a:t>
+            </a:r>
+          </a:p>
+          <a:p>
+            <a:pPr marL="863599" indent="-431800" lvl="1">
+              <a:lnSpc>
+                <a:spcPts val="9999"/>
+              </a:lnSpc>
+              <a:buFont typeface="Arial"/>
+              <a:buChar char="•"/>
+            </a:pPr>
+            <a:r>
+              <a:rPr lang="en-US" sz="3999">
+                <a:solidFill>
+                  <a:srgbClr val="2E2E2E"/>
+                </a:solidFill>
+                <a:latin typeface="Montserrat Classic"/>
+              </a:rPr>
+              <a:t>Initiative</a:t>
+            </a:r>
+          </a:p>
+          <a:p>
+            <a:pPr marL="863599" indent="-431800" lvl="1">
+              <a:lnSpc>
+                <a:spcPts val="9999"/>
+              </a:lnSpc>
+              <a:buFont typeface="Arial"/>
+              <a:buChar char="•"/>
+            </a:pPr>
+            <a:r>
+              <a:rPr lang="en-US" sz="3999">
+                <a:solidFill>
+                  <a:srgbClr val="2E2E2E"/>
+                </a:solidFill>
+                <a:latin typeface="Montserrat Classic"/>
+              </a:rPr>
+              <a:t>Respectful attitude</a:t>
+            </a:r>
+          </a:p>
+          <a:p>
+            <a:pPr marL="863599" indent="-431800" lvl="1">
+              <a:lnSpc>
+                <a:spcPts val="9999"/>
+              </a:lnSpc>
+              <a:buFont typeface="Arial"/>
+              <a:buChar char="•"/>
+            </a:pPr>
+            <a:r>
+              <a:rPr lang="en-US" sz="3999">
+                <a:solidFill>
+                  <a:srgbClr val="2E2E2E"/>
+                </a:solidFill>
+                <a:latin typeface="Montserrat Classic"/>
+              </a:rPr>
+              <a:t>Continuous learning</a:t>
+            </a:r>
+          </a:p>
+        </p:txBody>
+      </p:sp>
+      <p:sp>
+        <p:nvSpPr>
+          <p:cNvPr name="Freeform 6" id="6"/>
           <p:cNvSpPr/>
           <p:nvPr/>
         </p:nvSpPr>
@@ -6692,44 +7030,6 @@
             </a:stretch>
           </a:blipFill>
         </p:spPr>
-      </p:sp>
-      <p:sp>
-        <p:nvSpPr>
-          <p:cNvPr name="TextBox 5" id="5"/>
-          <p:cNvSpPr txBox="true"/>
-          <p:nvPr/>
-        </p:nvSpPr>
-        <p:spPr>
-          <a:xfrm rot="0">
-            <a:off x="1185446" y="770992"/>
-            <a:ext cx="11845330" cy="1814830"/>
-          </a:xfrm>
-          <a:prstGeom prst="rect">
-            <a:avLst/>
-          </a:prstGeom>
-        </p:spPr>
-        <p:txBody>
-          <a:bodyPr anchor="t" rtlCol="false" tIns="0" lIns="0" bIns="0" rIns="0">
-            <a:spAutoFit/>
-          </a:bodyPr>
-          <a:lstStyle/>
-          <a:p>
-            <a:pPr>
-              <a:lnSpc>
-                <a:spcPts val="7085"/>
-              </a:lnSpc>
-            </a:pPr>
-            <a:r>
-              <a:rPr lang="en-US" sz="6500">
-                <a:solidFill>
-                  <a:srgbClr val="004AAD"/>
-                </a:solidFill>
-                <a:latin typeface="Montserrat Classic Bold"/>
-              </a:rPr>
-              <a:t>SIGNS OF AN AUTONOMOUS EMPLOYEE</a:t>
-            </a:r>
-          </a:p>
-        </p:txBody>
       </p:sp>
     </p:spTree>
   </p:cSld>

--- a/Challenge 0/Challenge 0 - Khuat Bao Nguyen.pptx
+++ b/Challenge 0/Challenge 0 - Khuat Bao Nguyen.pptx
@@ -21,6 +21,9 @@
     <p:sldId id="269" r:id="rId25"/>
     <p:sldId id="270" r:id="rId26"/>
     <p:sldId id="271" r:id="rId27"/>
+    <p:sldId id="272" r:id="rId28"/>
+    <p:sldId id="273" r:id="rId29"/>
+    <p:sldId id="274" r:id="rId30"/>
   </p:sldIdLst>
   <p:sldSz cx="18288000" cy="10287000"/>
   <p:notesSz cx="6858000" cy="9144000"/>
@@ -3434,16 +3437,81 @@
           <a:chExt cx="0" cy="0"/>
         </a:xfrm>
       </p:grpSpPr>
-      <p:sp>
-        <p:nvSpPr>
-          <p:cNvPr name="Freeform 2" id="2"/>
+      <p:grpSp>
+        <p:nvGrpSpPr>
+          <p:cNvPr name="Group 2" id="2"/>
+          <p:cNvGrpSpPr/>
+          <p:nvPr/>
+        </p:nvGrpSpPr>
+        <p:grpSpPr>
+          <a:xfrm rot="0">
+            <a:off x="1185446" y="3308792"/>
+            <a:ext cx="16073854" cy="5949508"/>
+            <a:chOff x="0" y="0"/>
+            <a:chExt cx="2591637" cy="959258"/>
+          </a:xfrm>
+        </p:grpSpPr>
+        <p:sp>
+          <p:nvSpPr>
+            <p:cNvPr name="Freeform 3" id="3"/>
+            <p:cNvSpPr/>
+            <p:nvPr/>
+          </p:nvSpPr>
+          <p:spPr>
+            <a:xfrm flipH="false" flipV="false" rot="0">
+              <a:off x="0" y="0"/>
+              <a:ext cx="2591637" cy="959258"/>
+            </a:xfrm>
+            <a:custGeom>
+              <a:avLst/>
+              <a:gdLst/>
+              <a:ahLst/>
+              <a:cxnLst/>
+              <a:rect r="r" b="b" t="t" l="l"/>
+              <a:pathLst>
+                <a:path h="959258" w="2591637">
+                  <a:moveTo>
+                    <a:pt x="0" y="0"/>
+                  </a:moveTo>
+                  <a:lnTo>
+                    <a:pt x="2591637" y="0"/>
+                  </a:lnTo>
+                  <a:lnTo>
+                    <a:pt x="2591637" y="959258"/>
+                  </a:lnTo>
+                  <a:lnTo>
+                    <a:pt x="0" y="959258"/>
+                  </a:lnTo>
+                  <a:close/>
+                </a:path>
+              </a:pathLst>
+            </a:custGeom>
+            <a:blipFill>
+              <a:blip r:embed="rId2"/>
+              <a:stretch>
+                <a:fillRect l="0" t="-9684" r="0" b="-9684"/>
+              </a:stretch>
+            </a:blipFill>
+            <a:ln w="38100" cap="sq">
+              <a:solidFill>
+                <a:srgbClr val="000000"/>
+              </a:solidFill>
+              <a:prstDash val="solid"/>
+              <a:miter/>
+            </a:ln>
+          </p:spPr>
+        </p:sp>
+      </p:grpSp>
+      <p:sp>
+        <p:nvSpPr>
+          <p:cNvPr name="Freeform 4" id="4"/>
           <p:cNvSpPr/>
           <p:nvPr/>
         </p:nvSpPr>
         <p:spPr>
-          <a:xfrm flipH="false" flipV="false" rot="0">
-            <a:off x="0" y="1028700"/>
-            <a:ext cx="18288000" cy="8385017"/>
+          <a:xfrm flipH="false" flipV="false" rot="-1625759">
+            <a:off x="10837013" y="-4312634"/>
+            <a:ext cx="9495369" cy="7717145"/>
           </a:xfrm>
           <a:custGeom>
             <a:avLst/>
@@ -3452,18 +3520,18 @@
             <a:cxnLst/>
             <a:rect r="r" b="b" t="t" l="l"/>
             <a:pathLst>
-              <a:path h="8385017" w="18288000">
+              <a:path h="7717145" w="9495369">
                 <a:moveTo>
                   <a:pt x="0" y="0"/>
                 </a:moveTo>
                 <a:lnTo>
-                  <a:pt x="18288000" y="0"/>
-                </a:lnTo>
-                <a:lnTo>
-                  <a:pt x="18288000" y="8385017"/>
-                </a:lnTo>
-                <a:lnTo>
-                  <a:pt x="0" y="8385017"/>
+                  <a:pt x="9495369" y="0"/>
+                </a:lnTo>
+                <a:lnTo>
+                  <a:pt x="9495369" y="7717145"/>
+                </a:lnTo>
+                <a:lnTo>
+                  <a:pt x="0" y="7717145"/>
                 </a:lnTo>
                 <a:lnTo>
                   <a:pt x="0" y="0"/>
@@ -3473,12 +3541,57 @@
             </a:pathLst>
           </a:custGeom>
           <a:blipFill>
-            <a:blip r:embed="rId2"/>
+            <a:blip r:embed="rId3">
+              <a:alphaModFix amt="50000"/>
+              <a:extLst>
+                <a:ext uri="{96DAC541-7B7A-43D3-8B79-37D633B846F1}">
+                  <asvg:svgBlip xmlns:asvg="http://schemas.microsoft.com/office/drawing/2016/SVG/main" r:embed="rId4"/>
+                </a:ext>
+              </a:extLst>
+            </a:blip>
             <a:stretch>
-              <a:fillRect l="-2083" t="0" r="-2083" b="0"/>
+              <a:fillRect l="0" t="0" r="0" b="0"/>
             </a:stretch>
           </a:blipFill>
         </p:spPr>
+      </p:sp>
+      <p:sp>
+        <p:nvSpPr>
+          <p:cNvPr name="TextBox 5" id="5"/>
+          <p:cNvSpPr txBox="true"/>
+          <p:nvPr/>
+        </p:nvSpPr>
+        <p:spPr>
+          <a:xfrm rot="0">
+            <a:off x="1185446" y="1104900"/>
+            <a:ext cx="11953237" cy="1066800"/>
+          </a:xfrm>
+          <a:prstGeom prst="rect">
+            <a:avLst/>
+          </a:prstGeom>
+        </p:spPr>
+        <p:txBody>
+          <a:bodyPr anchor="t" rtlCol="false" tIns="0" lIns="0" bIns="0" rIns="0">
+            <a:spAutoFit/>
+          </a:bodyPr>
+          <a:lstStyle/>
+          <a:p>
+            <a:pPr>
+              <a:lnSpc>
+                <a:spcPts val="8175"/>
+              </a:lnSpc>
+            </a:pPr>
+            <a:r>
+              <a:rPr lang="en-US" sz="7500">
+                <a:solidFill>
+                  <a:srgbClr val="004AAD"/>
+                </a:solidFill>
+                <a:latin typeface="Montserrat Classic Bold"/>
+              </a:rPr>
+              <a:t>ACCOUNTABILITY</a:t>
+            </a:r>
+          </a:p>
+        </p:txBody>
       </p:sp>
     </p:spTree>
   </p:cSld>
@@ -3489,6 +3602,549 @@
 </file>
 
 <file path=ppt/slides/slide11.xml><?xml version="1.0" encoding="utf-8"?>
+<p:sld xmlns:p="http://schemas.openxmlformats.org/presentationml/2006/main" xmlns:a="http://schemas.openxmlformats.org/drawingml/2006/main" xmlns:r="http://schemas.openxmlformats.org/officeDocument/2006/relationships">
+  <p:cSld>
+    <p:spTree>
+      <p:nvGrpSpPr>
+        <p:cNvPr id="1" name=""/>
+        <p:cNvGrpSpPr/>
+        <p:nvPr/>
+      </p:nvGrpSpPr>
+      <p:grpSpPr>
+        <a:xfrm>
+          <a:off x="0" y="0"/>
+          <a:ext cx="0" cy="0"/>
+          <a:chOff x="0" y="0"/>
+          <a:chExt cx="0" cy="0"/>
+        </a:xfrm>
+      </p:grpSpPr>
+      <p:grpSp>
+        <p:nvGrpSpPr>
+          <p:cNvPr name="Group 2" id="2"/>
+          <p:cNvGrpSpPr/>
+          <p:nvPr/>
+        </p:nvGrpSpPr>
+        <p:grpSpPr>
+          <a:xfrm rot="0">
+            <a:off x="1185446" y="3308792"/>
+            <a:ext cx="16073854" cy="5949508"/>
+            <a:chOff x="0" y="0"/>
+            <a:chExt cx="2591637" cy="959258"/>
+          </a:xfrm>
+        </p:grpSpPr>
+        <p:sp>
+          <p:nvSpPr>
+            <p:cNvPr name="Freeform 3" id="3"/>
+            <p:cNvSpPr/>
+            <p:nvPr/>
+          </p:nvSpPr>
+          <p:spPr>
+            <a:xfrm flipH="false" flipV="false" rot="0">
+              <a:off x="0" y="0"/>
+              <a:ext cx="2591637" cy="959258"/>
+            </a:xfrm>
+            <a:custGeom>
+              <a:avLst/>
+              <a:gdLst/>
+              <a:ahLst/>
+              <a:cxnLst/>
+              <a:rect r="r" b="b" t="t" l="l"/>
+              <a:pathLst>
+                <a:path h="959258" w="2591637">
+                  <a:moveTo>
+                    <a:pt x="0" y="0"/>
+                  </a:moveTo>
+                  <a:lnTo>
+                    <a:pt x="2591637" y="0"/>
+                  </a:lnTo>
+                  <a:lnTo>
+                    <a:pt x="2591637" y="959258"/>
+                  </a:lnTo>
+                  <a:lnTo>
+                    <a:pt x="0" y="959258"/>
+                  </a:lnTo>
+                  <a:close/>
+                </a:path>
+              </a:pathLst>
+            </a:custGeom>
+            <a:blipFill>
+              <a:blip r:embed="rId2"/>
+              <a:stretch>
+                <a:fillRect l="0" t="-1591" r="0" b="-1591"/>
+              </a:stretch>
+            </a:blipFill>
+            <a:ln w="38100" cap="sq">
+              <a:solidFill>
+                <a:srgbClr val="000000"/>
+              </a:solidFill>
+              <a:prstDash val="solid"/>
+              <a:miter/>
+            </a:ln>
+          </p:spPr>
+        </p:sp>
+      </p:grpSp>
+      <p:sp>
+        <p:nvSpPr>
+          <p:cNvPr name="Freeform 4" id="4"/>
+          <p:cNvSpPr/>
+          <p:nvPr/>
+        </p:nvSpPr>
+        <p:spPr>
+          <a:xfrm flipH="false" flipV="false" rot="-1625759">
+            <a:off x="10837013" y="-4312634"/>
+            <a:ext cx="9495369" cy="7717145"/>
+          </a:xfrm>
+          <a:custGeom>
+            <a:avLst/>
+            <a:gdLst/>
+            <a:ahLst/>
+            <a:cxnLst/>
+            <a:rect r="r" b="b" t="t" l="l"/>
+            <a:pathLst>
+              <a:path h="7717145" w="9495369">
+                <a:moveTo>
+                  <a:pt x="0" y="0"/>
+                </a:moveTo>
+                <a:lnTo>
+                  <a:pt x="9495369" y="0"/>
+                </a:lnTo>
+                <a:lnTo>
+                  <a:pt x="9495369" y="7717145"/>
+                </a:lnTo>
+                <a:lnTo>
+                  <a:pt x="0" y="7717145"/>
+                </a:lnTo>
+                <a:lnTo>
+                  <a:pt x="0" y="0"/>
+                </a:lnTo>
+                <a:close/>
+              </a:path>
+            </a:pathLst>
+          </a:custGeom>
+          <a:blipFill>
+            <a:blip r:embed="rId3">
+              <a:alphaModFix amt="50000"/>
+              <a:extLst>
+                <a:ext uri="{96DAC541-7B7A-43D3-8B79-37D633B846F1}">
+                  <asvg:svgBlip xmlns:asvg="http://schemas.microsoft.com/office/drawing/2016/SVG/main" r:embed="rId4"/>
+                </a:ext>
+              </a:extLst>
+            </a:blip>
+            <a:stretch>
+              <a:fillRect l="0" t="0" r="0" b="0"/>
+            </a:stretch>
+          </a:blipFill>
+        </p:spPr>
+      </p:sp>
+      <p:sp>
+        <p:nvSpPr>
+          <p:cNvPr name="TextBox 5" id="5"/>
+          <p:cNvSpPr txBox="true"/>
+          <p:nvPr/>
+        </p:nvSpPr>
+        <p:spPr>
+          <a:xfrm rot="0">
+            <a:off x="1185446" y="1104900"/>
+            <a:ext cx="11953237" cy="1066800"/>
+          </a:xfrm>
+          <a:prstGeom prst="rect">
+            <a:avLst/>
+          </a:prstGeom>
+        </p:spPr>
+        <p:txBody>
+          <a:bodyPr anchor="t" rtlCol="false" tIns="0" lIns="0" bIns="0" rIns="0">
+            <a:spAutoFit/>
+          </a:bodyPr>
+          <a:lstStyle/>
+          <a:p>
+            <a:pPr>
+              <a:lnSpc>
+                <a:spcPts val="8175"/>
+              </a:lnSpc>
+            </a:pPr>
+            <a:r>
+              <a:rPr lang="en-US" sz="7500">
+                <a:solidFill>
+                  <a:srgbClr val="004AAD"/>
+                </a:solidFill>
+                <a:latin typeface="Montserrat Classic Bold"/>
+              </a:rPr>
+              <a:t>INITIATIVE</a:t>
+            </a:r>
+          </a:p>
+        </p:txBody>
+      </p:sp>
+    </p:spTree>
+  </p:cSld>
+  <p:clrMapOvr>
+    <a:masterClrMapping/>
+  </p:clrMapOvr>
+</p:sld>
+</file>
+
+<file path=ppt/slides/slide12.xml><?xml version="1.0" encoding="utf-8"?>
+<p:sld xmlns:p="http://schemas.openxmlformats.org/presentationml/2006/main" xmlns:a="http://schemas.openxmlformats.org/drawingml/2006/main" xmlns:r="http://schemas.openxmlformats.org/officeDocument/2006/relationships">
+  <p:cSld>
+    <p:spTree>
+      <p:nvGrpSpPr>
+        <p:cNvPr id="1" name=""/>
+        <p:cNvGrpSpPr/>
+        <p:nvPr/>
+      </p:nvGrpSpPr>
+      <p:grpSpPr>
+        <a:xfrm>
+          <a:off x="0" y="0"/>
+          <a:ext cx="0" cy="0"/>
+          <a:chOff x="0" y="0"/>
+          <a:chExt cx="0" cy="0"/>
+        </a:xfrm>
+      </p:grpSpPr>
+      <p:grpSp>
+        <p:nvGrpSpPr>
+          <p:cNvPr name="Group 2" id="2"/>
+          <p:cNvGrpSpPr/>
+          <p:nvPr/>
+        </p:nvGrpSpPr>
+        <p:grpSpPr>
+          <a:xfrm rot="0">
+            <a:off x="1185446" y="3308792"/>
+            <a:ext cx="16073854" cy="5949508"/>
+            <a:chOff x="0" y="0"/>
+            <a:chExt cx="2591637" cy="959258"/>
+          </a:xfrm>
+        </p:grpSpPr>
+        <p:sp>
+          <p:nvSpPr>
+            <p:cNvPr name="Freeform 3" id="3"/>
+            <p:cNvSpPr/>
+            <p:nvPr/>
+          </p:nvSpPr>
+          <p:spPr>
+            <a:xfrm flipH="false" flipV="false" rot="0">
+              <a:off x="0" y="0"/>
+              <a:ext cx="2591637" cy="959258"/>
+            </a:xfrm>
+            <a:custGeom>
+              <a:avLst/>
+              <a:gdLst/>
+              <a:ahLst/>
+              <a:cxnLst/>
+              <a:rect r="r" b="b" t="t" l="l"/>
+              <a:pathLst>
+                <a:path h="959258" w="2591637">
+                  <a:moveTo>
+                    <a:pt x="0" y="0"/>
+                  </a:moveTo>
+                  <a:lnTo>
+                    <a:pt x="2591637" y="0"/>
+                  </a:lnTo>
+                  <a:lnTo>
+                    <a:pt x="2591637" y="959258"/>
+                  </a:lnTo>
+                  <a:lnTo>
+                    <a:pt x="0" y="959258"/>
+                  </a:lnTo>
+                  <a:close/>
+                </a:path>
+              </a:pathLst>
+            </a:custGeom>
+            <a:blipFill>
+              <a:blip r:embed="rId2"/>
+              <a:stretch>
+                <a:fillRect l="0" t="-1297" r="0" b="-1297"/>
+              </a:stretch>
+            </a:blipFill>
+            <a:ln w="38100" cap="sq">
+              <a:solidFill>
+                <a:srgbClr val="000000"/>
+              </a:solidFill>
+              <a:prstDash val="solid"/>
+              <a:miter/>
+            </a:ln>
+          </p:spPr>
+        </p:sp>
+      </p:grpSp>
+      <p:sp>
+        <p:nvSpPr>
+          <p:cNvPr name="Freeform 4" id="4"/>
+          <p:cNvSpPr/>
+          <p:nvPr/>
+        </p:nvSpPr>
+        <p:spPr>
+          <a:xfrm flipH="false" flipV="false" rot="-1625759">
+            <a:off x="10837013" y="-4312634"/>
+            <a:ext cx="9495369" cy="7717145"/>
+          </a:xfrm>
+          <a:custGeom>
+            <a:avLst/>
+            <a:gdLst/>
+            <a:ahLst/>
+            <a:cxnLst/>
+            <a:rect r="r" b="b" t="t" l="l"/>
+            <a:pathLst>
+              <a:path h="7717145" w="9495369">
+                <a:moveTo>
+                  <a:pt x="0" y="0"/>
+                </a:moveTo>
+                <a:lnTo>
+                  <a:pt x="9495369" y="0"/>
+                </a:lnTo>
+                <a:lnTo>
+                  <a:pt x="9495369" y="7717145"/>
+                </a:lnTo>
+                <a:lnTo>
+                  <a:pt x="0" y="7717145"/>
+                </a:lnTo>
+                <a:lnTo>
+                  <a:pt x="0" y="0"/>
+                </a:lnTo>
+                <a:close/>
+              </a:path>
+            </a:pathLst>
+          </a:custGeom>
+          <a:blipFill>
+            <a:blip r:embed="rId3">
+              <a:alphaModFix amt="50000"/>
+              <a:extLst>
+                <a:ext uri="{96DAC541-7B7A-43D3-8B79-37D633B846F1}">
+                  <asvg:svgBlip xmlns:asvg="http://schemas.microsoft.com/office/drawing/2016/SVG/main" r:embed="rId4"/>
+                </a:ext>
+              </a:extLst>
+            </a:blip>
+            <a:stretch>
+              <a:fillRect l="0" t="0" r="0" b="0"/>
+            </a:stretch>
+          </a:blipFill>
+        </p:spPr>
+      </p:sp>
+      <p:sp>
+        <p:nvSpPr>
+          <p:cNvPr name="TextBox 5" id="5"/>
+          <p:cNvSpPr txBox="true"/>
+          <p:nvPr/>
+        </p:nvSpPr>
+        <p:spPr>
+          <a:xfrm rot="0">
+            <a:off x="1185446" y="1104900"/>
+            <a:ext cx="11953237" cy="1066800"/>
+          </a:xfrm>
+          <a:prstGeom prst="rect">
+            <a:avLst/>
+          </a:prstGeom>
+        </p:spPr>
+        <p:txBody>
+          <a:bodyPr anchor="t" rtlCol="false" tIns="0" lIns="0" bIns="0" rIns="0">
+            <a:spAutoFit/>
+          </a:bodyPr>
+          <a:lstStyle/>
+          <a:p>
+            <a:pPr>
+              <a:lnSpc>
+                <a:spcPts val="8175"/>
+              </a:lnSpc>
+            </a:pPr>
+            <a:r>
+              <a:rPr lang="en-US" sz="7500">
+                <a:solidFill>
+                  <a:srgbClr val="004AAD"/>
+                </a:solidFill>
+                <a:latin typeface="Montserrat Classic Bold"/>
+              </a:rPr>
+              <a:t>RESPECTFUL ATTITUDE</a:t>
+            </a:r>
+          </a:p>
+        </p:txBody>
+      </p:sp>
+    </p:spTree>
+  </p:cSld>
+  <p:clrMapOvr>
+    <a:masterClrMapping/>
+  </p:clrMapOvr>
+</p:sld>
+</file>
+
+<file path=ppt/slides/slide13.xml><?xml version="1.0" encoding="utf-8"?>
+<p:sld xmlns:p="http://schemas.openxmlformats.org/presentationml/2006/main" xmlns:a="http://schemas.openxmlformats.org/drawingml/2006/main" xmlns:r="http://schemas.openxmlformats.org/officeDocument/2006/relationships">
+  <p:cSld>
+    <p:spTree>
+      <p:nvGrpSpPr>
+        <p:cNvPr id="1" name=""/>
+        <p:cNvGrpSpPr/>
+        <p:nvPr/>
+      </p:nvGrpSpPr>
+      <p:grpSpPr>
+        <a:xfrm>
+          <a:off x="0" y="0"/>
+          <a:ext cx="0" cy="0"/>
+          <a:chOff x="0" y="0"/>
+          <a:chExt cx="0" cy="0"/>
+        </a:xfrm>
+      </p:grpSpPr>
+      <p:grpSp>
+        <p:nvGrpSpPr>
+          <p:cNvPr name="Group 2" id="2"/>
+          <p:cNvGrpSpPr/>
+          <p:nvPr/>
+        </p:nvGrpSpPr>
+        <p:grpSpPr>
+          <a:xfrm rot="0">
+            <a:off x="1185446" y="3308792"/>
+            <a:ext cx="16073854" cy="5949508"/>
+            <a:chOff x="0" y="0"/>
+            <a:chExt cx="2591637" cy="959258"/>
+          </a:xfrm>
+        </p:grpSpPr>
+        <p:sp>
+          <p:nvSpPr>
+            <p:cNvPr name="Freeform 3" id="3"/>
+            <p:cNvSpPr/>
+            <p:nvPr/>
+          </p:nvSpPr>
+          <p:spPr>
+            <a:xfrm flipH="false" flipV="false" rot="0">
+              <a:off x="0" y="0"/>
+              <a:ext cx="2591637" cy="959258"/>
+            </a:xfrm>
+            <a:custGeom>
+              <a:avLst/>
+              <a:gdLst/>
+              <a:ahLst/>
+              <a:cxnLst/>
+              <a:rect r="r" b="b" t="t" l="l"/>
+              <a:pathLst>
+                <a:path h="959258" w="2591637">
+                  <a:moveTo>
+                    <a:pt x="0" y="0"/>
+                  </a:moveTo>
+                  <a:lnTo>
+                    <a:pt x="2591637" y="0"/>
+                  </a:lnTo>
+                  <a:lnTo>
+                    <a:pt x="2591637" y="959258"/>
+                  </a:lnTo>
+                  <a:lnTo>
+                    <a:pt x="0" y="959258"/>
+                  </a:lnTo>
+                  <a:close/>
+                </a:path>
+              </a:pathLst>
+            </a:custGeom>
+            <a:blipFill>
+              <a:blip r:embed="rId2"/>
+              <a:stretch>
+                <a:fillRect l="0" t="-3024" r="0" b="-3024"/>
+              </a:stretch>
+            </a:blipFill>
+            <a:ln w="38100" cap="sq">
+              <a:solidFill>
+                <a:srgbClr val="000000"/>
+              </a:solidFill>
+              <a:prstDash val="solid"/>
+              <a:miter/>
+            </a:ln>
+          </p:spPr>
+        </p:sp>
+      </p:grpSp>
+      <p:sp>
+        <p:nvSpPr>
+          <p:cNvPr name="Freeform 4" id="4"/>
+          <p:cNvSpPr/>
+          <p:nvPr/>
+        </p:nvSpPr>
+        <p:spPr>
+          <a:xfrm flipH="false" flipV="false" rot="-1625759">
+            <a:off x="10837013" y="-4312634"/>
+            <a:ext cx="9495369" cy="7717145"/>
+          </a:xfrm>
+          <a:custGeom>
+            <a:avLst/>
+            <a:gdLst/>
+            <a:ahLst/>
+            <a:cxnLst/>
+            <a:rect r="r" b="b" t="t" l="l"/>
+            <a:pathLst>
+              <a:path h="7717145" w="9495369">
+                <a:moveTo>
+                  <a:pt x="0" y="0"/>
+                </a:moveTo>
+                <a:lnTo>
+                  <a:pt x="9495369" y="0"/>
+                </a:lnTo>
+                <a:lnTo>
+                  <a:pt x="9495369" y="7717145"/>
+                </a:lnTo>
+                <a:lnTo>
+                  <a:pt x="0" y="7717145"/>
+                </a:lnTo>
+                <a:lnTo>
+                  <a:pt x="0" y="0"/>
+                </a:lnTo>
+                <a:close/>
+              </a:path>
+            </a:pathLst>
+          </a:custGeom>
+          <a:blipFill>
+            <a:blip r:embed="rId3">
+              <a:alphaModFix amt="50000"/>
+              <a:extLst>
+                <a:ext uri="{96DAC541-7B7A-43D3-8B79-37D633B846F1}">
+                  <asvg:svgBlip xmlns:asvg="http://schemas.microsoft.com/office/drawing/2016/SVG/main" r:embed="rId4"/>
+                </a:ext>
+              </a:extLst>
+            </a:blip>
+            <a:stretch>
+              <a:fillRect l="0" t="0" r="0" b="0"/>
+            </a:stretch>
+          </a:blipFill>
+        </p:spPr>
+      </p:sp>
+      <p:sp>
+        <p:nvSpPr>
+          <p:cNvPr name="TextBox 5" id="5"/>
+          <p:cNvSpPr txBox="true"/>
+          <p:nvPr/>
+        </p:nvSpPr>
+        <p:spPr>
+          <a:xfrm rot="0">
+            <a:off x="1185446" y="1104900"/>
+            <a:ext cx="12600679" cy="1066800"/>
+          </a:xfrm>
+          <a:prstGeom prst="rect">
+            <a:avLst/>
+          </a:prstGeom>
+        </p:spPr>
+        <p:txBody>
+          <a:bodyPr anchor="t" rtlCol="false" tIns="0" lIns="0" bIns="0" rIns="0">
+            <a:spAutoFit/>
+          </a:bodyPr>
+          <a:lstStyle/>
+          <a:p>
+            <a:pPr>
+              <a:lnSpc>
+                <a:spcPts val="8175"/>
+              </a:lnSpc>
+            </a:pPr>
+            <a:r>
+              <a:rPr lang="en-US" sz="7500">
+                <a:solidFill>
+                  <a:srgbClr val="004AAD"/>
+                </a:solidFill>
+                <a:latin typeface="Montserrat Classic Bold"/>
+              </a:rPr>
+              <a:t>CONTINUOUS LEARNING</a:t>
+            </a:r>
+          </a:p>
+        </p:txBody>
+      </p:sp>
+    </p:spTree>
+  </p:cSld>
+  <p:clrMapOvr>
+    <a:masterClrMapping/>
+  </p:clrMapOvr>
+</p:sld>
+</file>
+
+<file path=ppt/slides/slide14.xml><?xml version="1.0" encoding="utf-8"?>
 <p:sld xmlns:p="http://schemas.openxmlformats.org/presentationml/2006/main" xmlns:a="http://schemas.openxmlformats.org/drawingml/2006/main" xmlns:r="http://schemas.openxmlformats.org/officeDocument/2006/relationships">
   <p:cSld>
     <p:spTree>
@@ -3685,7 +4341,7 @@
 </p:sld>
 </file>
 
-<file path=ppt/slides/slide12.xml><?xml version="1.0" encoding="utf-8"?>
+<file path=ppt/slides/slide15.xml><?xml version="1.0" encoding="utf-8"?>
 <p:sld xmlns:p="http://schemas.openxmlformats.org/presentationml/2006/main" xmlns:a="http://schemas.openxmlformats.org/drawingml/2006/main" xmlns:r="http://schemas.openxmlformats.org/officeDocument/2006/relationships">
   <p:cSld>
     <p:spTree>
@@ -4126,7 +4782,7 @@
 </p:sld>
 </file>
 
-<file path=ppt/slides/slide13.xml><?xml version="1.0" encoding="utf-8"?>
+<file path=ppt/slides/slide16.xml><?xml version="1.0" encoding="utf-8"?>
 <p:sld xmlns:p="http://schemas.openxmlformats.org/presentationml/2006/main" xmlns:a="http://schemas.openxmlformats.org/drawingml/2006/main" xmlns:r="http://schemas.openxmlformats.org/officeDocument/2006/relationships">
   <p:cSld>
     <p:spTree>
@@ -4394,7 +5050,7 @@
 </p:sld>
 </file>
 
-<file path=ppt/slides/slide14.xml><?xml version="1.0" encoding="utf-8"?>
+<file path=ppt/slides/slide17.xml><?xml version="1.0" encoding="utf-8"?>
 <p:sld xmlns:p="http://schemas.openxmlformats.org/presentationml/2006/main" xmlns:a="http://schemas.openxmlformats.org/drawingml/2006/main" xmlns:r="http://schemas.openxmlformats.org/officeDocument/2006/relationships">
   <p:cSld>
     <p:spTree>
@@ -4465,7 +5121,7 @@
 </p:sld>
 </file>
 
-<file path=ppt/slides/slide15.xml><?xml version="1.0" encoding="utf-8"?>
+<file path=ppt/slides/slide18.xml><?xml version="1.0" encoding="utf-8"?>
 <p:sld xmlns:p="http://schemas.openxmlformats.org/presentationml/2006/main" xmlns:a="http://schemas.openxmlformats.org/drawingml/2006/main" xmlns:r="http://schemas.openxmlformats.org/officeDocument/2006/relationships">
   <p:cSld>
     <p:spTree>
@@ -4646,7 +5302,7 @@
 </p:sld>
 </file>
 
-<file path=ppt/slides/slide16.xml><?xml version="1.0" encoding="utf-8"?>
+<file path=ppt/slides/slide19.xml><?xml version="1.0" encoding="utf-8"?>
 <p:sld xmlns:p="http://schemas.openxmlformats.org/presentationml/2006/main" xmlns:a="http://schemas.openxmlformats.org/drawingml/2006/main" xmlns:r="http://schemas.openxmlformats.org/officeDocument/2006/relationships">
   <p:cSld>
     <p:spTree>
